--- a/16. Presentasi.pptx
+++ b/16. Presentasi.pptx
@@ -279,7 +279,7 @@
               <a:pPr>
                 <a:defRPr/>
               </a:pPr>
-              <a:t>11/07/2019</a:t>
+              <a:t>15/07/2019</a:t>
             </a:fld>
             <a:endParaRPr lang="id-ID"/>
           </a:p>
@@ -3153,7 +3153,7 @@
               <a:pPr>
                 <a:defRPr/>
               </a:pPr>
-              <a:t>7/11/2019</a:t>
+              <a:t>7/15/2019</a:t>
             </a:fld>
             <a:endParaRPr lang="en-US"/>
           </a:p>
@@ -3372,7 +3372,7 @@
               <a:pPr>
                 <a:defRPr/>
               </a:pPr>
-              <a:t>7/11/2019</a:t>
+              <a:t>7/15/2019</a:t>
             </a:fld>
             <a:endParaRPr lang="en-US"/>
           </a:p>
@@ -3597,7 +3597,7 @@
               <a:pPr>
                 <a:defRPr/>
               </a:pPr>
-              <a:t>7/11/2019</a:t>
+              <a:t>7/15/2019</a:t>
             </a:fld>
             <a:endParaRPr lang="en-US"/>
           </a:p>
@@ -3920,7 +3920,7 @@
               <a:pPr>
                 <a:defRPr/>
               </a:pPr>
-              <a:t>7/11/2019</a:t>
+              <a:t>7/15/2019</a:t>
             </a:fld>
             <a:endParaRPr lang="en-US"/>
           </a:p>
@@ -4211,7 +4211,7 @@
               <a:pPr>
                 <a:defRPr/>
               </a:pPr>
-              <a:t>7/11/2019</a:t>
+              <a:t>7/15/2019</a:t>
             </a:fld>
             <a:endParaRPr lang="en-US"/>
           </a:p>
@@ -4544,7 +4544,7 @@
               <a:pPr>
                 <a:defRPr/>
               </a:pPr>
-              <a:t>7/11/2019</a:t>
+              <a:t>7/15/2019</a:t>
             </a:fld>
             <a:endParaRPr lang="en-US"/>
           </a:p>
@@ -5011,7 +5011,7 @@
               <a:pPr>
                 <a:defRPr/>
               </a:pPr>
-              <a:t>7/11/2019</a:t>
+              <a:t>7/15/2019</a:t>
             </a:fld>
             <a:endParaRPr lang="en-US"/>
           </a:p>
@@ -5174,7 +5174,7 @@
               <a:pPr>
                 <a:defRPr/>
               </a:pPr>
-              <a:t>7/11/2019</a:t>
+              <a:t>7/15/2019</a:t>
             </a:fld>
             <a:endParaRPr lang="en-US"/>
           </a:p>
@@ -5314,7 +5314,7 @@
               <a:pPr>
                 <a:defRPr/>
               </a:pPr>
-              <a:t>7/11/2019</a:t>
+              <a:t>7/15/2019</a:t>
             </a:fld>
             <a:endParaRPr lang="en-US"/>
           </a:p>
@@ -5636,7 +5636,7 @@
               <a:pPr>
                 <a:defRPr/>
               </a:pPr>
-              <a:t>7/11/2019</a:t>
+              <a:t>7/15/2019</a:t>
             </a:fld>
             <a:endParaRPr lang="en-US"/>
           </a:p>
@@ -5937,7 +5937,7 @@
               <a:pPr>
                 <a:defRPr/>
               </a:pPr>
-              <a:t>7/11/2019</a:t>
+              <a:t>7/15/2019</a:t>
             </a:fld>
             <a:endParaRPr lang="en-US"/>
           </a:p>
@@ -6247,7 +6247,7 @@
               <a:pPr>
                 <a:defRPr/>
               </a:pPr>
-              <a:t>7/11/2019</a:t>
+              <a:t>7/15/2019</a:t>
             </a:fld>
             <a:endParaRPr lang="en-US"/>
           </a:p>
@@ -9894,8 +9894,26 @@
                 <a:latin typeface="Times New Roman" panose="02020603050405020304" pitchFamily="18" charset="0"/>
                 <a:cs typeface="Times New Roman" panose="02020603050405020304" pitchFamily="18" charset="0"/>
               </a:rPr>
-              <a:t>Aplikasi Estimasi Titik Pusat Massa Tubuh Manusia</a:t>
-            </a:r>
+              <a:t>Aplikasi Estimasi Titik Pusat Massa Tubuh </a:t>
+            </a:r>
+            <a:r>
+              <a:rPr lang="id-ID" altLang="id-ID" dirty="0" smtClean="0">
+                <a:latin typeface="Times New Roman" panose="02020603050405020304" pitchFamily="18" charset="0"/>
+                <a:cs typeface="Times New Roman" panose="02020603050405020304" pitchFamily="18" charset="0"/>
+              </a:rPr>
+              <a:t>Manusia Berdasarkan Data Penangkapan Gerakan Alat </a:t>
+            </a:r>
+            <a:r>
+              <a:rPr lang="id-ID" altLang="id-ID" i="1" dirty="0" smtClean="0">
+                <a:latin typeface="Times New Roman" panose="02020603050405020304" pitchFamily="18" charset="0"/>
+                <a:cs typeface="Times New Roman" panose="02020603050405020304" pitchFamily="18" charset="0"/>
+              </a:rPr>
+              <a:t>Motion Capture</a:t>
+            </a:r>
+            <a:endParaRPr lang="id-ID" altLang="id-ID" i="1" dirty="0" smtClean="0">
+              <a:latin typeface="Times New Roman" panose="02020603050405020304" pitchFamily="18" charset="0"/>
+              <a:cs typeface="Times New Roman" panose="02020603050405020304" pitchFamily="18" charset="0"/>
+            </a:endParaRPr>
           </a:p>
         </p:txBody>
       </p:sp>
@@ -10065,7 +10083,7 @@
         <p:spPr>
           <a:xfrm>
             <a:off x="304800" y="1447800"/>
-            <a:ext cx="4572000" cy="609600"/>
+            <a:ext cx="6400800" cy="609600"/>
           </a:xfrm>
         </p:spPr>
         <p:txBody>
@@ -10085,7 +10103,14 @@
                 <a:latin typeface="Times New Roman" panose="02020603050405020304" pitchFamily="18" charset="0"/>
                 <a:cs typeface="Times New Roman" panose="02020603050405020304" pitchFamily="18" charset="0"/>
               </a:rPr>
-              <a:t>Data Motion Capture</a:t>
+              <a:t>Struktur Data </a:t>
+            </a:r>
+            <a:r>
+              <a:rPr lang="id-ID" dirty="0" smtClean="0">
+                <a:latin typeface="Times New Roman" panose="02020603050405020304" pitchFamily="18" charset="0"/>
+                <a:cs typeface="Times New Roman" panose="02020603050405020304" pitchFamily="18" charset="0"/>
+              </a:rPr>
+              <a:t>Motion Capture</a:t>
             </a:r>
             <a:endParaRPr lang="id-ID" dirty="0">
               <a:latin typeface="Times New Roman" panose="02020603050405020304" pitchFamily="18" charset="0"/>
@@ -13058,8 +13083,8 @@
           </a:p>
         </p:txBody>
       </p:sp>
-      <mc:AlternateContent xmlns:mc="http://schemas.openxmlformats.org/markup-compatibility/2006">
-        <mc:Choice xmlns:a14="http://schemas.microsoft.com/office/drawing/2010/main" Requires="a14">
+      <mc:AlternateContent xmlns:mc="http://schemas.openxmlformats.org/markup-compatibility/2006" xmlns:a14="http://schemas.microsoft.com/office/drawing/2010/main">
+        <mc:Choice Requires="a14">
           <p:sp>
             <p:nvSpPr>
               <p:cNvPr id="5" name="Rectangle 4"/>
@@ -13831,7 +13856,7 @@
             </p:txBody>
           </p:sp>
         </mc:Choice>
-        <mc:Fallback>
+        <mc:Fallback xmlns="">
           <p:sp>
             <p:nvSpPr>
               <p:cNvPr id="5" name="Rectangle 4"/>
